--- a/ISIS_April_2021/Thursday_April_15th/4_Writing_a_component/Adaptation_for_GPU/GPU_Example_run_at_DTU.pptx
+++ b/ISIS_April_2021/Thursday_April_15th/4_Writing_a_component/Adaptation_for_GPU/GPU_Example_run_at_DTU.pptx
@@ -17899,7 +17899,7 @@
             </a:r>
             <a:br/>
             <a:r>
-              <a:t>(not plug+play wrt OpenACC, needs manual addition of lib and include path)</a:t>
+              <a:t>(! not plug+play wrt OpenACC, needs manual addition of lib and include path in above config !)</a:t>
             </a:r>
           </a:p>
         </p:txBody>

--- a/ISIS_April_2021/Thursday_April_15th/4_Writing_a_component/Adaptation_for_GPU/GPU_Example_run_at_DTU.pptx
+++ b/ISIS_April_2021/Thursday_April_15th/4_Writing_a_component/Adaptation_for_GPU/GPU_Example_run_at_DTU.pptx
@@ -17824,7 +17824,7 @@
               <a:defRPr sz="1476"/>
             </a:pPr>
             <a:r>
-              <a:t>v100sh -X </a:t>
+              <a:t>voltash -X </a:t>
             </a:r>
           </a:p>
           <a:p>
